--- a/avaliacao/escopo.pptx
+++ b/avaliacao/escopo.pptx
@@ -8750,17 +8750,15 @@
           <a:p>
             <a:pPr lvl="0"/>
             <a:r>
-              <a:rPr lang="pt-BR" dirty="0"/>
-              <a:t>https://forms</a:t>
+              <a:rPr lang="pt-BR">
+                <a:hlinkClick r:id="rId3"/>
+              </a:rPr>
+              <a:t>https://forms.gle/Sb68wK3AFbzoEGDs6</a:t>
             </a:r>
             <a:r>
               <a:rPr lang="pt-BR"/>
-              <a:t>.gle</a:t>
+              <a:t> </a:t>
             </a:r>
-            <a:endParaRPr lang="pt-BR" dirty="0"/>
-          </a:p>
-          <a:p>
-            <a:pPr lvl="0"/>
             <a:endParaRPr lang="en" dirty="0"/>
           </a:p>
         </p:txBody>

--- a/avaliacao/escopo.pptx
+++ b/avaliacao/escopo.pptx
@@ -8750,13 +8750,13 @@
           <a:p>
             <a:pPr lvl="0"/>
             <a:r>
-              <a:rPr lang="pt-BR">
+              <a:rPr lang="pt-BR" dirty="0">
                 <a:hlinkClick r:id="rId3"/>
               </a:rPr>
               <a:t>https://forms.gle/Sb68wK3AFbzoEGDs6</a:t>
             </a:r>
             <a:r>
-              <a:rPr lang="pt-BR"/>
+              <a:rPr lang="pt-BR" dirty="0"/>
               <a:t> </a:t>
             </a:r>
             <a:endParaRPr lang="en" dirty="0"/>
